--- a/asdf/毕业设计流程图.pptx
+++ b/asdf/毕业设计流程图.pptx
@@ -8,6 +8,7 @@
     <p:sldId id="256" r:id="rId2"/>
     <p:sldId id="257" r:id="rId3"/>
     <p:sldId id="258" r:id="rId4"/>
+    <p:sldId id="259" r:id="rId5"/>
   </p:sldIdLst>
   <p:sldSz cx="9144000" cy="6858000" type="screen4x3"/>
   <p:notesSz cx="6858000" cy="9144000"/>
@@ -8566,6 +8567,1300 @@
     <p:extLst>
       <p:ext uri="{BB962C8B-B14F-4D97-AF65-F5344CB8AC3E}">
         <p14:creationId xmlns:p14="http://schemas.microsoft.com/office/powerpoint/2010/main" val="740219594"/>
+      </p:ext>
+    </p:extLst>
+  </p:cSld>
+  <p:clrMapOvr>
+    <a:masterClrMapping/>
+  </p:clrMapOvr>
+</p:sld>
+</file>
+
+<file path=ppt/slides/slide4.xml><?xml version="1.0" encoding="utf-8"?>
+<p:sld xmlns:a="http://schemas.openxmlformats.org/drawingml/2006/main" xmlns:r="http://schemas.openxmlformats.org/officeDocument/2006/relationships" xmlns:p="http://schemas.openxmlformats.org/presentationml/2006/main">
+  <p:cSld>
+    <p:spTree>
+      <p:nvGrpSpPr>
+        <p:cNvPr id="1" name=""/>
+        <p:cNvGrpSpPr/>
+        <p:nvPr/>
+      </p:nvGrpSpPr>
+      <p:grpSpPr>
+        <a:xfrm>
+          <a:off x="0" y="0"/>
+          <a:ext cx="0" cy="0"/>
+          <a:chOff x="0" y="0"/>
+          <a:chExt cx="0" cy="0"/>
+        </a:xfrm>
+      </p:grpSpPr>
+      <p:sp>
+        <p:nvSpPr>
+          <p:cNvPr id="4" name="进程 3"/>
+          <p:cNvSpPr/>
+          <p:nvPr/>
+        </p:nvSpPr>
+        <p:spPr>
+          <a:xfrm>
+            <a:off x="8134507" y="1295614"/>
+            <a:ext cx="2462665" cy="371749"/>
+          </a:xfrm>
+          <a:prstGeom prst="flowChartProcess">
+            <a:avLst/>
+          </a:prstGeom>
+          <a:noFill/>
+          <a:ln>
+            <a:solidFill>
+              <a:schemeClr val="tx1"/>
+            </a:solidFill>
+          </a:ln>
+        </p:spPr>
+        <p:style>
+          <a:lnRef idx="1">
+            <a:schemeClr val="accent1"/>
+          </a:lnRef>
+          <a:fillRef idx="3">
+            <a:schemeClr val="accent1"/>
+          </a:fillRef>
+          <a:effectRef idx="2">
+            <a:schemeClr val="accent1"/>
+          </a:effectRef>
+          <a:fontRef idx="minor">
+            <a:schemeClr val="lt1"/>
+          </a:fontRef>
+        </p:style>
+        <p:txBody>
+          <a:bodyPr rtlCol="0" anchor="ctr"/>
+          <a:lstStyle/>
+          <a:p>
+            <a:pPr algn="ctr"/>
+            <a:r>
+              <a:rPr kumimoji="1" lang="zh-CN" altLang="en-US" sz="2000" dirty="0" smtClean="0">
+                <a:ln w="12700">
+                  <a:solidFill>
+                    <a:schemeClr val="tx1"/>
+                  </a:solidFill>
+                  <a:prstDash val="solid"/>
+                </a:ln>
+                <a:solidFill>
+                  <a:schemeClr val="tx1"/>
+                </a:solidFill>
+                <a:effectLst>
+                  <a:outerShdw blurRad="41275" dist="20320" dir="1800000" algn="tl" rotWithShape="0">
+                    <a:srgbClr val="000000">
+                      <a:alpha val="40000"/>
+                    </a:srgbClr>
+                  </a:outerShdw>
+                </a:effectLst>
+              </a:rPr>
+              <a:t>主界面场景</a:t>
+            </a:r>
+            <a:endParaRPr kumimoji="1" lang="zh-CN" altLang="en-US" sz="2000" dirty="0">
+              <a:ln w="12700">
+                <a:solidFill>
+                  <a:schemeClr val="tx1"/>
+                </a:solidFill>
+                <a:prstDash val="solid"/>
+              </a:ln>
+              <a:solidFill>
+                <a:schemeClr val="tx1"/>
+              </a:solidFill>
+              <a:effectLst>
+                <a:outerShdw blurRad="41275" dist="20320" dir="1800000" algn="tl" rotWithShape="0">
+                  <a:srgbClr val="000000">
+                    <a:alpha val="40000"/>
+                  </a:srgbClr>
+                </a:outerShdw>
+              </a:effectLst>
+            </a:endParaRPr>
+          </a:p>
+        </p:txBody>
+      </p:sp>
+      <p:sp>
+        <p:nvSpPr>
+          <p:cNvPr id="7" name="进程 6"/>
+          <p:cNvSpPr/>
+          <p:nvPr/>
+        </p:nvSpPr>
+        <p:spPr>
+          <a:xfrm>
+            <a:off x="1231332" y="1393070"/>
+            <a:ext cx="2462665" cy="371749"/>
+          </a:xfrm>
+          <a:prstGeom prst="flowChartProcess">
+            <a:avLst/>
+          </a:prstGeom>
+          <a:noFill/>
+          <a:ln>
+            <a:solidFill>
+              <a:schemeClr val="tx1"/>
+            </a:solidFill>
+          </a:ln>
+        </p:spPr>
+        <p:style>
+          <a:lnRef idx="1">
+            <a:schemeClr val="accent1"/>
+          </a:lnRef>
+          <a:fillRef idx="3">
+            <a:schemeClr val="accent1"/>
+          </a:fillRef>
+          <a:effectRef idx="2">
+            <a:schemeClr val="accent1"/>
+          </a:effectRef>
+          <a:fontRef idx="minor">
+            <a:schemeClr val="lt1"/>
+          </a:fontRef>
+        </p:style>
+        <p:txBody>
+          <a:bodyPr rtlCol="0" anchor="ctr"/>
+          <a:lstStyle/>
+          <a:p>
+            <a:pPr algn="ctr"/>
+            <a:r>
+              <a:rPr kumimoji="1" lang="zh-CN" altLang="en-US" sz="2000" dirty="0" smtClean="0">
+                <a:ln w="12700">
+                  <a:solidFill>
+                    <a:schemeClr val="tx1"/>
+                  </a:solidFill>
+                  <a:prstDash val="solid"/>
+                </a:ln>
+                <a:solidFill>
+                  <a:schemeClr val="tx1"/>
+                </a:solidFill>
+                <a:effectLst>
+                  <a:outerShdw blurRad="41275" dist="20320" dir="1800000" algn="tl" rotWithShape="0">
+                    <a:srgbClr val="000000">
+                      <a:alpha val="40000"/>
+                    </a:srgbClr>
+                  </a:outerShdw>
+                </a:effectLst>
+              </a:rPr>
+              <a:t>主界面场景</a:t>
+            </a:r>
+            <a:endParaRPr kumimoji="1" lang="zh-CN" altLang="en-US" sz="2000" dirty="0">
+              <a:ln w="12700">
+                <a:solidFill>
+                  <a:schemeClr val="tx1"/>
+                </a:solidFill>
+                <a:prstDash val="solid"/>
+              </a:ln>
+              <a:solidFill>
+                <a:schemeClr val="tx1"/>
+              </a:solidFill>
+              <a:effectLst>
+                <a:outerShdw blurRad="41275" dist="20320" dir="1800000" algn="tl" rotWithShape="0">
+                  <a:srgbClr val="000000">
+                    <a:alpha val="40000"/>
+                  </a:srgbClr>
+                </a:outerShdw>
+              </a:effectLst>
+            </a:endParaRPr>
+          </a:p>
+        </p:txBody>
+      </p:sp>
+      <p:sp>
+        <p:nvSpPr>
+          <p:cNvPr id="9" name="进程 8"/>
+          <p:cNvSpPr/>
+          <p:nvPr/>
+        </p:nvSpPr>
+        <p:spPr>
+          <a:xfrm>
+            <a:off x="4184659" y="1393070"/>
+            <a:ext cx="2462665" cy="371749"/>
+          </a:xfrm>
+          <a:prstGeom prst="flowChartProcess">
+            <a:avLst/>
+          </a:prstGeom>
+          <a:noFill/>
+          <a:ln>
+            <a:solidFill>
+              <a:schemeClr val="tx1"/>
+            </a:solidFill>
+          </a:ln>
+        </p:spPr>
+        <p:style>
+          <a:lnRef idx="1">
+            <a:schemeClr val="accent1"/>
+          </a:lnRef>
+          <a:fillRef idx="3">
+            <a:schemeClr val="accent1"/>
+          </a:fillRef>
+          <a:effectRef idx="2">
+            <a:schemeClr val="accent1"/>
+          </a:effectRef>
+          <a:fontRef idx="minor">
+            <a:schemeClr val="lt1"/>
+          </a:fontRef>
+        </p:style>
+        <p:txBody>
+          <a:bodyPr rtlCol="0" anchor="ctr"/>
+          <a:lstStyle/>
+          <a:p>
+            <a:pPr algn="ctr"/>
+            <a:r>
+              <a:rPr kumimoji="1" lang="zh-CN" altLang="en-US" sz="2000" dirty="0" smtClean="0">
+                <a:ln w="12700">
+                  <a:solidFill>
+                    <a:schemeClr val="tx1"/>
+                  </a:solidFill>
+                  <a:prstDash val="solid"/>
+                </a:ln>
+                <a:solidFill>
+                  <a:schemeClr val="tx1"/>
+                </a:solidFill>
+                <a:effectLst>
+                  <a:outerShdw blurRad="41275" dist="20320" dir="1800000" algn="tl" rotWithShape="0">
+                    <a:srgbClr val="000000">
+                      <a:alpha val="40000"/>
+                    </a:srgbClr>
+                  </a:outerShdw>
+                </a:effectLst>
+              </a:rPr>
+              <a:t>疯狂模式界面场景</a:t>
+            </a:r>
+            <a:endParaRPr kumimoji="1" lang="zh-CN" altLang="en-US" sz="2000" dirty="0">
+              <a:ln w="12700">
+                <a:solidFill>
+                  <a:schemeClr val="tx1"/>
+                </a:solidFill>
+                <a:prstDash val="solid"/>
+              </a:ln>
+              <a:solidFill>
+                <a:schemeClr val="tx1"/>
+              </a:solidFill>
+              <a:effectLst>
+                <a:outerShdw blurRad="41275" dist="20320" dir="1800000" algn="tl" rotWithShape="0">
+                  <a:srgbClr val="000000">
+                    <a:alpha val="40000"/>
+                  </a:srgbClr>
+                </a:outerShdw>
+              </a:effectLst>
+            </a:endParaRPr>
+          </a:p>
+        </p:txBody>
+      </p:sp>
+      <p:sp>
+        <p:nvSpPr>
+          <p:cNvPr id="10" name="进程 9"/>
+          <p:cNvSpPr/>
+          <p:nvPr/>
+        </p:nvSpPr>
+        <p:spPr>
+          <a:xfrm>
+            <a:off x="8134507" y="371749"/>
+            <a:ext cx="2462665" cy="371749"/>
+          </a:xfrm>
+          <a:prstGeom prst="flowChartProcess">
+            <a:avLst/>
+          </a:prstGeom>
+          <a:noFill/>
+          <a:ln>
+            <a:solidFill>
+              <a:schemeClr val="tx1"/>
+            </a:solidFill>
+          </a:ln>
+        </p:spPr>
+        <p:style>
+          <a:lnRef idx="1">
+            <a:schemeClr val="accent1"/>
+          </a:lnRef>
+          <a:fillRef idx="3">
+            <a:schemeClr val="accent1"/>
+          </a:fillRef>
+          <a:effectRef idx="2">
+            <a:schemeClr val="accent1"/>
+          </a:effectRef>
+          <a:fontRef idx="minor">
+            <a:schemeClr val="lt1"/>
+          </a:fontRef>
+        </p:style>
+        <p:txBody>
+          <a:bodyPr rtlCol="0" anchor="ctr"/>
+          <a:lstStyle/>
+          <a:p>
+            <a:pPr algn="ctr"/>
+            <a:r>
+              <a:rPr kumimoji="1" lang="zh-CN" altLang="en-US" sz="2000" dirty="0" smtClean="0">
+                <a:ln w="12700">
+                  <a:solidFill>
+                    <a:schemeClr val="tx1"/>
+                  </a:solidFill>
+                  <a:prstDash val="solid"/>
+                </a:ln>
+                <a:solidFill>
+                  <a:schemeClr val="tx1"/>
+                </a:solidFill>
+                <a:effectLst>
+                  <a:outerShdw blurRad="41275" dist="20320" dir="1800000" algn="tl" rotWithShape="0">
+                    <a:srgbClr val="000000">
+                      <a:alpha val="40000"/>
+                    </a:srgbClr>
+                  </a:outerShdw>
+                </a:effectLst>
+              </a:rPr>
+              <a:t>主界面场景</a:t>
+            </a:r>
+            <a:endParaRPr kumimoji="1" lang="zh-CN" altLang="en-US" sz="2000" dirty="0">
+              <a:ln w="12700">
+                <a:solidFill>
+                  <a:schemeClr val="tx1"/>
+                </a:solidFill>
+                <a:prstDash val="solid"/>
+              </a:ln>
+              <a:solidFill>
+                <a:schemeClr val="tx1"/>
+              </a:solidFill>
+              <a:effectLst>
+                <a:outerShdw blurRad="41275" dist="20320" dir="1800000" algn="tl" rotWithShape="0">
+                  <a:srgbClr val="000000">
+                    <a:alpha val="40000"/>
+                  </a:srgbClr>
+                </a:outerShdw>
+              </a:effectLst>
+            </a:endParaRPr>
+          </a:p>
+        </p:txBody>
+      </p:sp>
+      <p:cxnSp>
+        <p:nvCxnSpPr>
+          <p:cNvPr id="14" name="肘形连接符 13"/>
+          <p:cNvCxnSpPr>
+            <a:stCxn id="7" idx="0"/>
+            <a:endCxn id="50" idx="2"/>
+          </p:cNvCxnSpPr>
+          <p:nvPr/>
+        </p:nvCxnSpPr>
+        <p:spPr>
+          <a:xfrm rot="5400000" flipH="1" flipV="1">
+            <a:off x="2983611" y="408426"/>
+            <a:ext cx="463698" cy="1505591"/>
+          </a:xfrm>
+          <a:prstGeom prst="bentConnector3">
+            <a:avLst>
+              <a:gd name="adj1" fmla="val 50000"/>
+            </a:avLst>
+          </a:prstGeom>
+          <a:ln>
+            <a:solidFill>
+              <a:srgbClr val="000000"/>
+            </a:solidFill>
+          </a:ln>
+        </p:spPr>
+        <p:style>
+          <a:lnRef idx="2">
+            <a:schemeClr val="accent1"/>
+          </a:lnRef>
+          <a:fillRef idx="0">
+            <a:schemeClr val="accent1"/>
+          </a:fillRef>
+          <a:effectRef idx="1">
+            <a:schemeClr val="accent1"/>
+          </a:effectRef>
+          <a:fontRef idx="minor">
+            <a:schemeClr val="tx1"/>
+          </a:fontRef>
+        </p:style>
+      </p:cxnSp>
+      <p:cxnSp>
+        <p:nvCxnSpPr>
+          <p:cNvPr id="15" name="肘形连接符 14"/>
+          <p:cNvCxnSpPr>
+            <a:stCxn id="9" idx="0"/>
+            <a:endCxn id="50" idx="2"/>
+          </p:cNvCxnSpPr>
+          <p:nvPr/>
+        </p:nvCxnSpPr>
+        <p:spPr>
+          <a:xfrm rot="16200000" flipV="1">
+            <a:off x="4460275" y="437353"/>
+            <a:ext cx="463698" cy="1447736"/>
+          </a:xfrm>
+          <a:prstGeom prst="bentConnector3">
+            <a:avLst>
+              <a:gd name="adj1" fmla="val 50000"/>
+            </a:avLst>
+          </a:prstGeom>
+          <a:ln>
+            <a:solidFill>
+              <a:srgbClr val="000000"/>
+            </a:solidFill>
+          </a:ln>
+        </p:spPr>
+        <p:style>
+          <a:lnRef idx="2">
+            <a:schemeClr val="accent1"/>
+          </a:lnRef>
+          <a:fillRef idx="0">
+            <a:schemeClr val="accent1"/>
+          </a:fillRef>
+          <a:effectRef idx="1">
+            <a:schemeClr val="accent1"/>
+          </a:effectRef>
+          <a:fontRef idx="minor">
+            <a:schemeClr val="tx1"/>
+          </a:fontRef>
+        </p:style>
+      </p:cxnSp>
+      <p:cxnSp>
+        <p:nvCxnSpPr>
+          <p:cNvPr id="16" name="肘形连接符 15"/>
+          <p:cNvCxnSpPr>
+            <a:stCxn id="29" idx="0"/>
+            <a:endCxn id="7" idx="2"/>
+          </p:cNvCxnSpPr>
+          <p:nvPr/>
+        </p:nvCxnSpPr>
+        <p:spPr>
+          <a:xfrm rot="5400000" flipH="1" flipV="1">
+            <a:off x="2248049" y="1979436"/>
+            <a:ext cx="429233" cy="12700"/>
+          </a:xfrm>
+          <a:prstGeom prst="bentConnector3">
+            <a:avLst>
+              <a:gd name="adj1" fmla="val 50000"/>
+            </a:avLst>
+          </a:prstGeom>
+          <a:ln>
+            <a:solidFill>
+              <a:srgbClr val="000000"/>
+            </a:solidFill>
+          </a:ln>
+        </p:spPr>
+        <p:style>
+          <a:lnRef idx="2">
+            <a:schemeClr val="accent1"/>
+          </a:lnRef>
+          <a:fillRef idx="0">
+            <a:schemeClr val="accent1"/>
+          </a:fillRef>
+          <a:effectRef idx="1">
+            <a:schemeClr val="accent1"/>
+          </a:effectRef>
+          <a:fontRef idx="minor">
+            <a:schemeClr val="tx1"/>
+          </a:fontRef>
+        </p:style>
+      </p:cxnSp>
+      <p:cxnSp>
+        <p:nvCxnSpPr>
+          <p:cNvPr id="17" name="肘形连接符 16"/>
+          <p:cNvCxnSpPr>
+            <a:stCxn id="30" idx="0"/>
+            <a:endCxn id="7" idx="2"/>
+          </p:cNvCxnSpPr>
+          <p:nvPr/>
+        </p:nvCxnSpPr>
+        <p:spPr>
+          <a:xfrm rot="16200000" flipV="1">
+            <a:off x="2755514" y="1471971"/>
+            <a:ext cx="429233" cy="1014929"/>
+          </a:xfrm>
+          <a:prstGeom prst="bentConnector3">
+            <a:avLst>
+              <a:gd name="adj1" fmla="val 50000"/>
+            </a:avLst>
+          </a:prstGeom>
+          <a:ln>
+            <a:solidFill>
+              <a:srgbClr val="000000"/>
+            </a:solidFill>
+          </a:ln>
+        </p:spPr>
+        <p:style>
+          <a:lnRef idx="2">
+            <a:schemeClr val="accent1"/>
+          </a:lnRef>
+          <a:fillRef idx="0">
+            <a:schemeClr val="accent1"/>
+          </a:fillRef>
+          <a:effectRef idx="1">
+            <a:schemeClr val="accent1"/>
+          </a:effectRef>
+          <a:fontRef idx="minor">
+            <a:schemeClr val="tx1"/>
+          </a:fontRef>
+        </p:style>
+      </p:cxnSp>
+      <p:cxnSp>
+        <p:nvCxnSpPr>
+          <p:cNvPr id="18" name="肘形连接符 17"/>
+          <p:cNvCxnSpPr>
+            <a:stCxn id="31" idx="0"/>
+            <a:endCxn id="9" idx="2"/>
+          </p:cNvCxnSpPr>
+          <p:nvPr/>
+        </p:nvCxnSpPr>
+        <p:spPr>
+          <a:xfrm rot="5400000" flipH="1" flipV="1">
+            <a:off x="4696934" y="1465620"/>
+            <a:ext cx="419858" cy="1018257"/>
+          </a:xfrm>
+          <a:prstGeom prst="bentConnector3">
+            <a:avLst>
+              <a:gd name="adj1" fmla="val 50000"/>
+            </a:avLst>
+          </a:prstGeom>
+          <a:ln>
+            <a:solidFill>
+              <a:srgbClr val="000000"/>
+            </a:solidFill>
+          </a:ln>
+        </p:spPr>
+        <p:style>
+          <a:lnRef idx="2">
+            <a:schemeClr val="accent1"/>
+          </a:lnRef>
+          <a:fillRef idx="0">
+            <a:schemeClr val="accent1"/>
+          </a:fillRef>
+          <a:effectRef idx="1">
+            <a:schemeClr val="accent1"/>
+          </a:effectRef>
+          <a:fontRef idx="minor">
+            <a:schemeClr val="tx1"/>
+          </a:fontRef>
+        </p:style>
+      </p:cxnSp>
+      <p:sp>
+        <p:nvSpPr>
+          <p:cNvPr id="28" name="进程 27"/>
+          <p:cNvSpPr/>
+          <p:nvPr/>
+        </p:nvSpPr>
+        <p:spPr>
+          <a:xfrm>
+            <a:off x="1209842" y="2194052"/>
+            <a:ext cx="432806" cy="2868063"/>
+          </a:xfrm>
+          <a:prstGeom prst="flowChartProcess">
+            <a:avLst/>
+          </a:prstGeom>
+          <a:noFill/>
+          <a:ln>
+            <a:solidFill>
+              <a:schemeClr val="tx1"/>
+            </a:solidFill>
+          </a:ln>
+        </p:spPr>
+        <p:style>
+          <a:lnRef idx="1">
+            <a:schemeClr val="accent1"/>
+          </a:lnRef>
+          <a:fillRef idx="3">
+            <a:schemeClr val="accent1"/>
+          </a:fillRef>
+          <a:effectRef idx="2">
+            <a:schemeClr val="accent1"/>
+          </a:effectRef>
+          <a:fontRef idx="minor">
+            <a:schemeClr val="lt1"/>
+          </a:fontRef>
+        </p:style>
+        <p:txBody>
+          <a:bodyPr rtlCol="0" anchor="ctr"/>
+          <a:lstStyle/>
+          <a:p>
+            <a:pPr algn="ctr"/>
+            <a:r>
+              <a:rPr kumimoji="1" lang="zh-CN" altLang="en-US" sz="2000" dirty="0" smtClean="0">
+                <a:ln w="12700">
+                  <a:solidFill>
+                    <a:schemeClr val="tx1"/>
+                  </a:solidFill>
+                  <a:prstDash val="solid"/>
+                </a:ln>
+                <a:solidFill>
+                  <a:schemeClr val="tx1"/>
+                </a:solidFill>
+                <a:effectLst>
+                  <a:outerShdw blurRad="41275" dist="20320" dir="1800000" algn="tl" rotWithShape="0">
+                    <a:srgbClr val="000000">
+                      <a:alpha val="40000"/>
+                    </a:srgbClr>
+                  </a:outerShdw>
+                </a:effectLst>
+              </a:rPr>
+              <a:t>简单难度</a:t>
+            </a:r>
+            <a:endParaRPr kumimoji="1" lang="zh-CN" altLang="en-US" sz="2000" dirty="0">
+              <a:ln w="12700">
+                <a:solidFill>
+                  <a:schemeClr val="tx1"/>
+                </a:solidFill>
+                <a:prstDash val="solid"/>
+              </a:ln>
+              <a:solidFill>
+                <a:schemeClr val="tx1"/>
+              </a:solidFill>
+              <a:effectLst>
+                <a:outerShdw blurRad="41275" dist="20320" dir="1800000" algn="tl" rotWithShape="0">
+                  <a:srgbClr val="000000">
+                    <a:alpha val="40000"/>
+                  </a:srgbClr>
+                </a:outerShdw>
+              </a:effectLst>
+            </a:endParaRPr>
+          </a:p>
+        </p:txBody>
+      </p:sp>
+      <p:sp>
+        <p:nvSpPr>
+          <p:cNvPr id="29" name="进程 28"/>
+          <p:cNvSpPr/>
+          <p:nvPr/>
+        </p:nvSpPr>
+        <p:spPr>
+          <a:xfrm>
+            <a:off x="2246262" y="2194052"/>
+            <a:ext cx="432806" cy="2868063"/>
+          </a:xfrm>
+          <a:prstGeom prst="flowChartProcess">
+            <a:avLst/>
+          </a:prstGeom>
+          <a:noFill/>
+          <a:ln>
+            <a:solidFill>
+              <a:schemeClr val="tx1"/>
+            </a:solidFill>
+          </a:ln>
+        </p:spPr>
+        <p:style>
+          <a:lnRef idx="1">
+            <a:schemeClr val="accent1"/>
+          </a:lnRef>
+          <a:fillRef idx="3">
+            <a:schemeClr val="accent1"/>
+          </a:fillRef>
+          <a:effectRef idx="2">
+            <a:schemeClr val="accent1"/>
+          </a:effectRef>
+          <a:fontRef idx="minor">
+            <a:schemeClr val="lt1"/>
+          </a:fontRef>
+        </p:style>
+        <p:txBody>
+          <a:bodyPr rtlCol="0" anchor="ctr"/>
+          <a:lstStyle/>
+          <a:p>
+            <a:pPr algn="ctr"/>
+            <a:r>
+              <a:rPr kumimoji="1" lang="zh-CN" altLang="en-US" sz="2000" dirty="0" smtClean="0">
+                <a:ln w="12700">
+                  <a:solidFill>
+                    <a:schemeClr val="tx1"/>
+                  </a:solidFill>
+                  <a:prstDash val="solid"/>
+                </a:ln>
+                <a:solidFill>
+                  <a:schemeClr val="tx1"/>
+                </a:solidFill>
+                <a:effectLst>
+                  <a:outerShdw blurRad="41275" dist="20320" dir="1800000" algn="tl" rotWithShape="0">
+                    <a:srgbClr val="000000">
+                      <a:alpha val="40000"/>
+                    </a:srgbClr>
+                  </a:outerShdw>
+                </a:effectLst>
+              </a:rPr>
+              <a:t>困难难度</a:t>
+            </a:r>
+            <a:endParaRPr kumimoji="1" lang="zh-CN" altLang="en-US" sz="2000" dirty="0">
+              <a:ln w="12700">
+                <a:solidFill>
+                  <a:schemeClr val="tx1"/>
+                </a:solidFill>
+                <a:prstDash val="solid"/>
+              </a:ln>
+              <a:solidFill>
+                <a:schemeClr val="tx1"/>
+              </a:solidFill>
+              <a:effectLst>
+                <a:outerShdw blurRad="41275" dist="20320" dir="1800000" algn="tl" rotWithShape="0">
+                  <a:srgbClr val="000000">
+                    <a:alpha val="40000"/>
+                  </a:srgbClr>
+                </a:outerShdw>
+              </a:effectLst>
+            </a:endParaRPr>
+          </a:p>
+        </p:txBody>
+      </p:sp>
+      <p:sp>
+        <p:nvSpPr>
+          <p:cNvPr id="30" name="进程 29"/>
+          <p:cNvSpPr/>
+          <p:nvPr/>
+        </p:nvSpPr>
+        <p:spPr>
+          <a:xfrm>
+            <a:off x="3261191" y="2194052"/>
+            <a:ext cx="432806" cy="2868063"/>
+          </a:xfrm>
+          <a:prstGeom prst="flowChartProcess">
+            <a:avLst/>
+          </a:prstGeom>
+          <a:noFill/>
+          <a:ln>
+            <a:solidFill>
+              <a:schemeClr val="tx1"/>
+            </a:solidFill>
+          </a:ln>
+        </p:spPr>
+        <p:style>
+          <a:lnRef idx="1">
+            <a:schemeClr val="accent1"/>
+          </a:lnRef>
+          <a:fillRef idx="3">
+            <a:schemeClr val="accent1"/>
+          </a:fillRef>
+          <a:effectRef idx="2">
+            <a:schemeClr val="accent1"/>
+          </a:effectRef>
+          <a:fontRef idx="minor">
+            <a:schemeClr val="lt1"/>
+          </a:fontRef>
+        </p:style>
+        <p:txBody>
+          <a:bodyPr rtlCol="0" anchor="ctr"/>
+          <a:lstStyle/>
+          <a:p>
+            <a:pPr algn="ctr"/>
+            <a:r>
+              <a:rPr kumimoji="1" lang="zh-CN" altLang="en-US" sz="2000" dirty="0" smtClean="0">
+                <a:ln w="12700">
+                  <a:solidFill>
+                    <a:schemeClr val="tx1"/>
+                  </a:solidFill>
+                  <a:prstDash val="solid"/>
+                </a:ln>
+                <a:solidFill>
+                  <a:schemeClr val="tx1"/>
+                </a:solidFill>
+                <a:effectLst>
+                  <a:outerShdw blurRad="41275" dist="20320" dir="1800000" algn="tl" rotWithShape="0">
+                    <a:srgbClr val="000000">
+                      <a:alpha val="40000"/>
+                    </a:srgbClr>
+                  </a:outerShdw>
+                </a:effectLst>
+              </a:rPr>
+              <a:t>大师难度</a:t>
+            </a:r>
+            <a:endParaRPr kumimoji="1" lang="zh-CN" altLang="en-US" sz="2000" dirty="0">
+              <a:ln w="12700">
+                <a:solidFill>
+                  <a:schemeClr val="tx1"/>
+                </a:solidFill>
+                <a:prstDash val="solid"/>
+              </a:ln>
+              <a:solidFill>
+                <a:schemeClr val="tx1"/>
+              </a:solidFill>
+              <a:effectLst>
+                <a:outerShdw blurRad="41275" dist="20320" dir="1800000" algn="tl" rotWithShape="0">
+                  <a:srgbClr val="000000">
+                    <a:alpha val="40000"/>
+                  </a:srgbClr>
+                </a:outerShdw>
+              </a:effectLst>
+            </a:endParaRPr>
+          </a:p>
+        </p:txBody>
+      </p:sp>
+      <p:sp>
+        <p:nvSpPr>
+          <p:cNvPr id="31" name="进程 30"/>
+          <p:cNvSpPr/>
+          <p:nvPr/>
+        </p:nvSpPr>
+        <p:spPr>
+          <a:xfrm>
+            <a:off x="4181332" y="2184677"/>
+            <a:ext cx="432806" cy="2868063"/>
+          </a:xfrm>
+          <a:prstGeom prst="flowChartProcess">
+            <a:avLst/>
+          </a:prstGeom>
+          <a:noFill/>
+          <a:ln>
+            <a:solidFill>
+              <a:schemeClr val="tx1"/>
+            </a:solidFill>
+          </a:ln>
+        </p:spPr>
+        <p:style>
+          <a:lnRef idx="1">
+            <a:schemeClr val="accent1"/>
+          </a:lnRef>
+          <a:fillRef idx="3">
+            <a:schemeClr val="accent1"/>
+          </a:fillRef>
+          <a:effectRef idx="2">
+            <a:schemeClr val="accent1"/>
+          </a:effectRef>
+          <a:fontRef idx="minor">
+            <a:schemeClr val="lt1"/>
+          </a:fontRef>
+        </p:style>
+        <p:txBody>
+          <a:bodyPr rtlCol="0" anchor="ctr"/>
+          <a:lstStyle/>
+          <a:p>
+            <a:pPr algn="ctr"/>
+            <a:r>
+              <a:rPr kumimoji="1" lang="zh-CN" altLang="en-US" sz="2000" dirty="0" smtClean="0">
+                <a:ln w="12700">
+                  <a:solidFill>
+                    <a:schemeClr val="tx1"/>
+                  </a:solidFill>
+                  <a:prstDash val="solid"/>
+                </a:ln>
+                <a:solidFill>
+                  <a:schemeClr val="tx1"/>
+                </a:solidFill>
+                <a:effectLst>
+                  <a:outerShdw blurRad="41275" dist="20320" dir="1800000" algn="tl" rotWithShape="0">
+                    <a:srgbClr val="000000">
+                      <a:alpha val="40000"/>
+                    </a:srgbClr>
+                  </a:outerShdw>
+                </a:effectLst>
+              </a:rPr>
+              <a:t>疯狂模式简单难度</a:t>
+            </a:r>
+            <a:endParaRPr kumimoji="1" lang="zh-CN" altLang="en-US" sz="2000" dirty="0">
+              <a:ln w="12700">
+                <a:solidFill>
+                  <a:schemeClr val="tx1"/>
+                </a:solidFill>
+                <a:prstDash val="solid"/>
+              </a:ln>
+              <a:solidFill>
+                <a:schemeClr val="tx1"/>
+              </a:solidFill>
+              <a:effectLst>
+                <a:outerShdw blurRad="41275" dist="20320" dir="1800000" algn="tl" rotWithShape="0">
+                  <a:srgbClr val="000000">
+                    <a:alpha val="40000"/>
+                  </a:srgbClr>
+                </a:outerShdw>
+              </a:effectLst>
+            </a:endParaRPr>
+          </a:p>
+        </p:txBody>
+      </p:sp>
+      <p:sp>
+        <p:nvSpPr>
+          <p:cNvPr id="32" name="进程 31"/>
+          <p:cNvSpPr/>
+          <p:nvPr/>
+        </p:nvSpPr>
+        <p:spPr>
+          <a:xfrm>
+            <a:off x="5199588" y="2184677"/>
+            <a:ext cx="432806" cy="2868063"/>
+          </a:xfrm>
+          <a:prstGeom prst="flowChartProcess">
+            <a:avLst/>
+          </a:prstGeom>
+          <a:noFill/>
+          <a:ln>
+            <a:solidFill>
+              <a:schemeClr val="tx1"/>
+            </a:solidFill>
+          </a:ln>
+        </p:spPr>
+        <p:style>
+          <a:lnRef idx="1">
+            <a:schemeClr val="accent1"/>
+          </a:lnRef>
+          <a:fillRef idx="3">
+            <a:schemeClr val="accent1"/>
+          </a:fillRef>
+          <a:effectRef idx="2">
+            <a:schemeClr val="accent1"/>
+          </a:effectRef>
+          <a:fontRef idx="minor">
+            <a:schemeClr val="lt1"/>
+          </a:fontRef>
+        </p:style>
+        <p:txBody>
+          <a:bodyPr rtlCol="0" anchor="ctr"/>
+          <a:lstStyle/>
+          <a:p>
+            <a:pPr algn="ctr"/>
+            <a:r>
+              <a:rPr kumimoji="1" lang="zh-CN" altLang="en-US" sz="2000" dirty="0" smtClean="0">
+                <a:ln w="12700">
+                  <a:solidFill>
+                    <a:schemeClr val="tx1"/>
+                  </a:solidFill>
+                  <a:prstDash val="solid"/>
+                </a:ln>
+                <a:solidFill>
+                  <a:schemeClr val="tx1"/>
+                </a:solidFill>
+                <a:effectLst>
+                  <a:outerShdw blurRad="41275" dist="20320" dir="1800000" algn="tl" rotWithShape="0">
+                    <a:srgbClr val="000000">
+                      <a:alpha val="40000"/>
+                    </a:srgbClr>
+                  </a:outerShdw>
+                </a:effectLst>
+              </a:rPr>
+              <a:t>疯狂模式</a:t>
+            </a:r>
+            <a:r>
+              <a:rPr kumimoji="1" lang="zh-CN" altLang="en-US" sz="2000" dirty="0" smtClean="0">
+                <a:ln w="12700">
+                  <a:solidFill>
+                    <a:schemeClr val="tx1"/>
+                  </a:solidFill>
+                  <a:prstDash val="solid"/>
+                </a:ln>
+                <a:solidFill>
+                  <a:schemeClr val="tx1"/>
+                </a:solidFill>
+                <a:effectLst>
+                  <a:outerShdw blurRad="41275" dist="20320" dir="1800000" algn="tl" rotWithShape="0">
+                    <a:srgbClr val="000000">
+                      <a:alpha val="40000"/>
+                    </a:srgbClr>
+                  </a:outerShdw>
+                </a:effectLst>
+              </a:rPr>
+              <a:t>困难难度</a:t>
+            </a:r>
+            <a:endParaRPr kumimoji="1" lang="zh-CN" altLang="en-US" sz="2000" dirty="0">
+              <a:ln w="12700">
+                <a:solidFill>
+                  <a:schemeClr val="tx1"/>
+                </a:solidFill>
+                <a:prstDash val="solid"/>
+              </a:ln>
+              <a:solidFill>
+                <a:schemeClr val="tx1"/>
+              </a:solidFill>
+              <a:effectLst>
+                <a:outerShdw blurRad="41275" dist="20320" dir="1800000" algn="tl" rotWithShape="0">
+                  <a:srgbClr val="000000">
+                    <a:alpha val="40000"/>
+                  </a:srgbClr>
+                </a:outerShdw>
+              </a:effectLst>
+            </a:endParaRPr>
+          </a:p>
+        </p:txBody>
+      </p:sp>
+      <p:sp>
+        <p:nvSpPr>
+          <p:cNvPr id="33" name="进程 32"/>
+          <p:cNvSpPr/>
+          <p:nvPr/>
+        </p:nvSpPr>
+        <p:spPr>
+          <a:xfrm>
+            <a:off x="6214518" y="2200403"/>
+            <a:ext cx="432806" cy="2868063"/>
+          </a:xfrm>
+          <a:prstGeom prst="flowChartProcess">
+            <a:avLst/>
+          </a:prstGeom>
+          <a:noFill/>
+          <a:ln>
+            <a:solidFill>
+              <a:schemeClr val="tx1"/>
+            </a:solidFill>
+          </a:ln>
+        </p:spPr>
+        <p:style>
+          <a:lnRef idx="1">
+            <a:schemeClr val="accent1"/>
+          </a:lnRef>
+          <a:fillRef idx="3">
+            <a:schemeClr val="accent1"/>
+          </a:fillRef>
+          <a:effectRef idx="2">
+            <a:schemeClr val="accent1"/>
+          </a:effectRef>
+          <a:fontRef idx="minor">
+            <a:schemeClr val="lt1"/>
+          </a:fontRef>
+        </p:style>
+        <p:txBody>
+          <a:bodyPr rtlCol="0" anchor="ctr"/>
+          <a:lstStyle/>
+          <a:p>
+            <a:pPr algn="ctr"/>
+            <a:r>
+              <a:rPr kumimoji="1" lang="zh-CN" altLang="en-US" sz="2000" dirty="0" smtClean="0">
+                <a:ln w="12700">
+                  <a:solidFill>
+                    <a:schemeClr val="tx1"/>
+                  </a:solidFill>
+                  <a:prstDash val="solid"/>
+                </a:ln>
+                <a:solidFill>
+                  <a:schemeClr val="tx1"/>
+                </a:solidFill>
+                <a:effectLst>
+                  <a:outerShdw blurRad="41275" dist="20320" dir="1800000" algn="tl" rotWithShape="0">
+                    <a:srgbClr val="000000">
+                      <a:alpha val="40000"/>
+                    </a:srgbClr>
+                  </a:outerShdw>
+                </a:effectLst>
+              </a:rPr>
+              <a:t>疯狂模式</a:t>
+            </a:r>
+            <a:r>
+              <a:rPr kumimoji="1" lang="zh-CN" altLang="en-US" sz="2000" dirty="0" smtClean="0">
+                <a:ln w="12700">
+                  <a:solidFill>
+                    <a:schemeClr val="tx1"/>
+                  </a:solidFill>
+                  <a:prstDash val="solid"/>
+                </a:ln>
+                <a:solidFill>
+                  <a:schemeClr val="tx1"/>
+                </a:solidFill>
+                <a:effectLst>
+                  <a:outerShdw blurRad="41275" dist="20320" dir="1800000" algn="tl" rotWithShape="0">
+                    <a:srgbClr val="000000">
+                      <a:alpha val="40000"/>
+                    </a:srgbClr>
+                  </a:outerShdw>
+                </a:effectLst>
+              </a:rPr>
+              <a:t>大师难度</a:t>
+            </a:r>
+            <a:endParaRPr kumimoji="1" lang="zh-CN" altLang="en-US" sz="2000" dirty="0">
+              <a:ln w="12700">
+                <a:solidFill>
+                  <a:schemeClr val="tx1"/>
+                </a:solidFill>
+                <a:prstDash val="solid"/>
+              </a:ln>
+              <a:solidFill>
+                <a:schemeClr val="tx1"/>
+              </a:solidFill>
+              <a:effectLst>
+                <a:outerShdw blurRad="41275" dist="20320" dir="1800000" algn="tl" rotWithShape="0">
+                  <a:srgbClr val="000000">
+                    <a:alpha val="40000"/>
+                  </a:srgbClr>
+                </a:outerShdw>
+              </a:effectLst>
+            </a:endParaRPr>
+          </a:p>
+        </p:txBody>
+      </p:sp>
+      <p:cxnSp>
+        <p:nvCxnSpPr>
+          <p:cNvPr id="34" name="肘形连接符 33"/>
+          <p:cNvCxnSpPr>
+            <a:stCxn id="9" idx="2"/>
+            <a:endCxn id="32" idx="0"/>
+          </p:cNvCxnSpPr>
+          <p:nvPr/>
+        </p:nvCxnSpPr>
+        <p:spPr>
+          <a:xfrm rot="5400000">
+            <a:off x="5206063" y="1974748"/>
+            <a:ext cx="419858" cy="1"/>
+          </a:xfrm>
+          <a:prstGeom prst="bentConnector3">
+            <a:avLst>
+              <a:gd name="adj1" fmla="val 50000"/>
+            </a:avLst>
+          </a:prstGeom>
+          <a:ln>
+            <a:solidFill>
+              <a:srgbClr val="000000"/>
+            </a:solidFill>
+          </a:ln>
+        </p:spPr>
+        <p:style>
+          <a:lnRef idx="2">
+            <a:schemeClr val="accent1"/>
+          </a:lnRef>
+          <a:fillRef idx="0">
+            <a:schemeClr val="accent1"/>
+          </a:fillRef>
+          <a:effectRef idx="1">
+            <a:schemeClr val="accent1"/>
+          </a:effectRef>
+          <a:fontRef idx="minor">
+            <a:schemeClr val="tx1"/>
+          </a:fontRef>
+        </p:style>
+      </p:cxnSp>
+      <p:cxnSp>
+        <p:nvCxnSpPr>
+          <p:cNvPr id="35" name="肘形连接符 34"/>
+          <p:cNvCxnSpPr>
+            <a:stCxn id="9" idx="2"/>
+            <a:endCxn id="33" idx="0"/>
+          </p:cNvCxnSpPr>
+          <p:nvPr/>
+        </p:nvCxnSpPr>
+        <p:spPr>
+          <a:xfrm rot="16200000" flipH="1">
+            <a:off x="5705664" y="1475146"/>
+            <a:ext cx="435584" cy="1014929"/>
+          </a:xfrm>
+          <a:prstGeom prst="bentConnector3">
+            <a:avLst>
+              <a:gd name="adj1" fmla="val 50000"/>
+            </a:avLst>
+          </a:prstGeom>
+          <a:ln>
+            <a:solidFill>
+              <a:srgbClr val="000000"/>
+            </a:solidFill>
+          </a:ln>
+        </p:spPr>
+        <p:style>
+          <a:lnRef idx="2">
+            <a:schemeClr val="accent1"/>
+          </a:lnRef>
+          <a:fillRef idx="0">
+            <a:schemeClr val="accent1"/>
+          </a:fillRef>
+          <a:effectRef idx="1">
+            <a:schemeClr val="accent1"/>
+          </a:effectRef>
+          <a:fontRef idx="minor">
+            <a:schemeClr val="tx1"/>
+          </a:fontRef>
+        </p:style>
+      </p:cxnSp>
+      <p:cxnSp>
+        <p:nvCxnSpPr>
+          <p:cNvPr id="36" name="肘形连接符 35"/>
+          <p:cNvCxnSpPr>
+            <a:stCxn id="28" idx="0"/>
+            <a:endCxn id="7" idx="2"/>
+          </p:cNvCxnSpPr>
+          <p:nvPr/>
+        </p:nvCxnSpPr>
+        <p:spPr>
+          <a:xfrm rot="5400000" flipH="1" flipV="1">
+            <a:off x="1729839" y="1461226"/>
+            <a:ext cx="429233" cy="1036420"/>
+          </a:xfrm>
+          <a:prstGeom prst="bentConnector3">
+            <a:avLst>
+              <a:gd name="adj1" fmla="val 50000"/>
+            </a:avLst>
+          </a:prstGeom>
+          <a:ln>
+            <a:solidFill>
+              <a:srgbClr val="000000"/>
+            </a:solidFill>
+          </a:ln>
+        </p:spPr>
+        <p:style>
+          <a:lnRef idx="2">
+            <a:schemeClr val="accent1"/>
+          </a:lnRef>
+          <a:fillRef idx="0">
+            <a:schemeClr val="accent1"/>
+          </a:fillRef>
+          <a:effectRef idx="1">
+            <a:schemeClr val="accent1"/>
+          </a:effectRef>
+          <a:fontRef idx="minor">
+            <a:schemeClr val="tx1"/>
+          </a:fontRef>
+        </p:style>
+      </p:cxnSp>
+      <p:sp>
+        <p:nvSpPr>
+          <p:cNvPr id="50" name="进程 49"/>
+          <p:cNvSpPr/>
+          <p:nvPr/>
+        </p:nvSpPr>
+        <p:spPr>
+          <a:xfrm>
+            <a:off x="2736923" y="557623"/>
+            <a:ext cx="2462665" cy="371749"/>
+          </a:xfrm>
+          <a:prstGeom prst="flowChartProcess">
+            <a:avLst/>
+          </a:prstGeom>
+          <a:noFill/>
+          <a:ln>
+            <a:solidFill>
+              <a:schemeClr val="tx1"/>
+            </a:solidFill>
+          </a:ln>
+        </p:spPr>
+        <p:style>
+          <a:lnRef idx="1">
+            <a:schemeClr val="accent1"/>
+          </a:lnRef>
+          <a:fillRef idx="3">
+            <a:schemeClr val="accent1"/>
+          </a:fillRef>
+          <a:effectRef idx="2">
+            <a:schemeClr val="accent1"/>
+          </a:effectRef>
+          <a:fontRef idx="minor">
+            <a:schemeClr val="lt1"/>
+          </a:fontRef>
+        </p:style>
+        <p:txBody>
+          <a:bodyPr rtlCol="0" anchor="ctr"/>
+          <a:lstStyle/>
+          <a:p>
+            <a:pPr algn="ctr"/>
+            <a:r>
+              <a:rPr kumimoji="1" lang="zh-CN" altLang="en-US" sz="2000" dirty="0" smtClean="0">
+                <a:ln w="12700">
+                  <a:solidFill>
+                    <a:schemeClr val="tx1"/>
+                  </a:solidFill>
+                  <a:prstDash val="solid"/>
+                </a:ln>
+                <a:solidFill>
+                  <a:schemeClr val="tx1"/>
+                </a:solidFill>
+                <a:effectLst>
+                  <a:outerShdw blurRad="41275" dist="20320" dir="1800000" algn="tl" rotWithShape="0">
+                    <a:srgbClr val="000000">
+                      <a:alpha val="40000"/>
+                    </a:srgbClr>
+                  </a:outerShdw>
+                </a:effectLst>
+              </a:rPr>
+              <a:t>进入游戏</a:t>
+            </a:r>
+            <a:endParaRPr kumimoji="1" lang="zh-CN" altLang="en-US" sz="2000" dirty="0">
+              <a:ln w="12700">
+                <a:solidFill>
+                  <a:schemeClr val="tx1"/>
+                </a:solidFill>
+                <a:prstDash val="solid"/>
+              </a:ln>
+              <a:solidFill>
+                <a:schemeClr val="tx1"/>
+              </a:solidFill>
+              <a:effectLst>
+                <a:outerShdw blurRad="41275" dist="20320" dir="1800000" algn="tl" rotWithShape="0">
+                  <a:srgbClr val="000000">
+                    <a:alpha val="40000"/>
+                  </a:srgbClr>
+                </a:outerShdw>
+              </a:effectLst>
+            </a:endParaRPr>
+          </a:p>
+        </p:txBody>
+      </p:sp>
+    </p:spTree>
+    <p:extLst>
+      <p:ext uri="{BB962C8B-B14F-4D97-AF65-F5344CB8AC3E}">
+        <p14:creationId xmlns:p14="http://schemas.microsoft.com/office/powerpoint/2010/main" val="504143960"/>
       </p:ext>
     </p:extLst>
   </p:cSld>
